--- a/doc/client/G12-網頁導航網.pptx
+++ b/doc/client/G12-網頁導航網.pptx
@@ -19,7 +19,8 @@
     <p:sldId id="270" r:id="rId13"/>
     <p:sldId id="271" r:id="rId14"/>
     <p:sldId id="273" r:id="rId15"/>
-    <p:sldId id="272" r:id="rId16"/>
+    <p:sldId id="274" r:id="rId16"/>
+    <p:sldId id="272" r:id="rId17"/>
   </p:sldIdLst>
   <p:sldSz cx="9144000" cy="6858000" type="screen4x3"/>
   <p:notesSz cx="6858000" cy="9144000"/>
@@ -118,6 +119,22 @@
       </a:defRPr>
     </a:lvl9pPr>
   </p:defaultTextStyle>
+  <p:extLst>
+    <p:ext uri="{EFAFB233-063F-42B5-8137-9DF3F51BA10A}">
+      <p15:sldGuideLst xmlns:p15="http://schemas.microsoft.com/office/powerpoint/2012/main">
+        <p15:guide id="1" orient="horz" pos="2160">
+          <p15:clr>
+            <a:srgbClr val="A4A3A4"/>
+          </p15:clr>
+        </p15:guide>
+        <p15:guide id="2" pos="2880">
+          <p15:clr>
+            <a:srgbClr val="A4A3A4"/>
+          </p15:clr>
+        </p15:guide>
+      </p15:sldGuideLst>
+    </p:ext>
+  </p:extLst>
 </p:presentation>
 </file>
 
@@ -417,7 +434,7 @@
           </a:lstStyle>
           <a:p>
             <a:r>
-              <a:rPr kumimoji="0" lang="zh-TW" altLang="en-US" smtClean="0"/>
+              <a:rPr kumimoji="0" lang="zh-TW" altLang="en-US"/>
               <a:t>按一下以編輯母片標題樣式</a:t>
             </a:r>
             <a:endParaRPr kumimoji="0" lang="en-US"/>
@@ -481,7 +498,7 @@
           </a:lstStyle>
           <a:p>
             <a:r>
-              <a:rPr kumimoji="0" lang="zh-TW" altLang="en-US" smtClean="0"/>
+              <a:rPr kumimoji="0" lang="zh-TW" altLang="en-US"/>
               <a:t>按一下以編輯母片副標題樣式</a:t>
             </a:r>
             <a:endParaRPr kumimoji="0" lang="en-US"/>
@@ -594,7 +611,7 @@
           <a:lstStyle/>
           <a:p>
             <a:r>
-              <a:rPr kumimoji="0" lang="zh-TW" altLang="en-US" smtClean="0"/>
+              <a:rPr kumimoji="0" lang="zh-TW" altLang="en-US"/>
               <a:t>按一下以編輯母片標題樣式</a:t>
             </a:r>
             <a:endParaRPr kumimoji="0" lang="en-US"/>
@@ -618,35 +635,35 @@
           <a:p>
             <a:pPr lvl="0" eaLnBrk="1" latinLnBrk="0" hangingPunct="1"/>
             <a:r>
-              <a:rPr lang="zh-TW" altLang="en-US" smtClean="0"/>
+              <a:rPr lang="zh-TW" altLang="en-US"/>
               <a:t>按一下以編輯母片文字樣式</a:t>
             </a:r>
           </a:p>
           <a:p>
             <a:pPr lvl="1" eaLnBrk="1" latinLnBrk="0" hangingPunct="1"/>
             <a:r>
-              <a:rPr lang="zh-TW" altLang="en-US" smtClean="0"/>
+              <a:rPr lang="zh-TW" altLang="en-US"/>
               <a:t>第二層</a:t>
             </a:r>
           </a:p>
           <a:p>
             <a:pPr lvl="2" eaLnBrk="1" latinLnBrk="0" hangingPunct="1"/>
             <a:r>
-              <a:rPr lang="zh-TW" altLang="en-US" smtClean="0"/>
+              <a:rPr lang="zh-TW" altLang="en-US"/>
               <a:t>第三層</a:t>
             </a:r>
           </a:p>
           <a:p>
             <a:pPr lvl="3" eaLnBrk="1" latinLnBrk="0" hangingPunct="1"/>
             <a:r>
-              <a:rPr lang="zh-TW" altLang="en-US" smtClean="0"/>
+              <a:rPr lang="zh-TW" altLang="en-US"/>
               <a:t>第四層</a:t>
             </a:r>
           </a:p>
           <a:p>
             <a:pPr lvl="4" eaLnBrk="1" latinLnBrk="0" hangingPunct="1"/>
             <a:r>
-              <a:rPr lang="zh-TW" altLang="en-US" smtClean="0"/>
+              <a:rPr lang="zh-TW" altLang="en-US"/>
               <a:t>第五層</a:t>
             </a:r>
             <a:endParaRPr kumimoji="0" lang="en-US"/>
@@ -764,7 +781,7 @@
           <a:lstStyle/>
           <a:p>
             <a:r>
-              <a:rPr kumimoji="0" lang="zh-TW" altLang="en-US" smtClean="0"/>
+              <a:rPr kumimoji="0" lang="zh-TW" altLang="en-US"/>
               <a:t>按一下以編輯母片標題樣式</a:t>
             </a:r>
             <a:endParaRPr kumimoji="0" lang="en-US"/>
@@ -793,35 +810,35 @@
           <a:p>
             <a:pPr lvl="0" eaLnBrk="1" latinLnBrk="0" hangingPunct="1"/>
             <a:r>
-              <a:rPr lang="zh-TW" altLang="en-US" smtClean="0"/>
+              <a:rPr lang="zh-TW" altLang="en-US"/>
               <a:t>按一下以編輯母片文字樣式</a:t>
             </a:r>
           </a:p>
           <a:p>
             <a:pPr lvl="1" eaLnBrk="1" latinLnBrk="0" hangingPunct="1"/>
             <a:r>
-              <a:rPr lang="zh-TW" altLang="en-US" smtClean="0"/>
+              <a:rPr lang="zh-TW" altLang="en-US"/>
               <a:t>第二層</a:t>
             </a:r>
           </a:p>
           <a:p>
             <a:pPr lvl="2" eaLnBrk="1" latinLnBrk="0" hangingPunct="1"/>
             <a:r>
-              <a:rPr lang="zh-TW" altLang="en-US" smtClean="0"/>
+              <a:rPr lang="zh-TW" altLang="en-US"/>
               <a:t>第三層</a:t>
             </a:r>
           </a:p>
           <a:p>
             <a:pPr lvl="3" eaLnBrk="1" latinLnBrk="0" hangingPunct="1"/>
             <a:r>
-              <a:rPr lang="zh-TW" altLang="en-US" smtClean="0"/>
+              <a:rPr lang="zh-TW" altLang="en-US"/>
               <a:t>第四層</a:t>
             </a:r>
           </a:p>
           <a:p>
             <a:pPr lvl="4" eaLnBrk="1" latinLnBrk="0" hangingPunct="1"/>
             <a:r>
-              <a:rPr lang="zh-TW" altLang="en-US" smtClean="0"/>
+              <a:rPr lang="zh-TW" altLang="en-US"/>
               <a:t>第五層</a:t>
             </a:r>
             <a:endParaRPr kumimoji="0" lang="en-US"/>
@@ -938,7 +955,7 @@
           </a:lstStyle>
           <a:p>
             <a:r>
-              <a:rPr kumimoji="0" lang="zh-TW" altLang="en-US" smtClean="0"/>
+              <a:rPr kumimoji="0" lang="zh-TW" altLang="en-US"/>
               <a:t>按一下以編輯母片標題樣式</a:t>
             </a:r>
             <a:endParaRPr kumimoji="0" lang="en-US"/>
@@ -962,35 +979,35 @@
           <a:p>
             <a:pPr lvl="0" eaLnBrk="1" latinLnBrk="0" hangingPunct="1"/>
             <a:r>
-              <a:rPr lang="zh-TW" altLang="en-US" smtClean="0"/>
+              <a:rPr lang="zh-TW" altLang="en-US"/>
               <a:t>按一下以編輯母片文字樣式</a:t>
             </a:r>
           </a:p>
           <a:p>
             <a:pPr lvl="1" eaLnBrk="1" latinLnBrk="0" hangingPunct="1"/>
             <a:r>
-              <a:rPr lang="zh-TW" altLang="en-US" smtClean="0"/>
+              <a:rPr lang="zh-TW" altLang="en-US"/>
               <a:t>第二層</a:t>
             </a:r>
           </a:p>
           <a:p>
             <a:pPr lvl="2" eaLnBrk="1" latinLnBrk="0" hangingPunct="1"/>
             <a:r>
-              <a:rPr lang="zh-TW" altLang="en-US" smtClean="0"/>
+              <a:rPr lang="zh-TW" altLang="en-US"/>
               <a:t>第三層</a:t>
             </a:r>
           </a:p>
           <a:p>
             <a:pPr lvl="3" eaLnBrk="1" latinLnBrk="0" hangingPunct="1"/>
             <a:r>
-              <a:rPr lang="zh-TW" altLang="en-US" smtClean="0"/>
+              <a:rPr lang="zh-TW" altLang="en-US"/>
               <a:t>第四層</a:t>
             </a:r>
           </a:p>
           <a:p>
             <a:pPr lvl="4" eaLnBrk="1" latinLnBrk="0" hangingPunct="1"/>
             <a:r>
-              <a:rPr lang="zh-TW" altLang="en-US" smtClean="0"/>
+              <a:rPr lang="zh-TW" altLang="en-US"/>
               <a:t>第五層</a:t>
             </a:r>
             <a:endParaRPr kumimoji="0" lang="en-US"/>
@@ -1367,7 +1384,7 @@
           </a:lstStyle>
           <a:p>
             <a:r>
-              <a:rPr kumimoji="0" lang="zh-TW" altLang="en-US" smtClean="0"/>
+              <a:rPr kumimoji="0" lang="zh-TW" altLang="en-US"/>
               <a:t>按一下以編輯母片標題樣式</a:t>
             </a:r>
             <a:endParaRPr kumimoji="0" lang="en-US"/>
@@ -1446,7 +1463,7 @@
           <a:p>
             <a:pPr lvl="0" eaLnBrk="1" latinLnBrk="0" hangingPunct="1"/>
             <a:r>
-              <a:rPr kumimoji="0" lang="zh-TW" altLang="en-US" smtClean="0"/>
+              <a:rPr kumimoji="0" lang="zh-TW" altLang="en-US"/>
               <a:t>按一下以編輯母片文字樣式</a:t>
             </a:r>
           </a:p>
@@ -1563,7 +1580,7 @@
           <a:lstStyle/>
           <a:p>
             <a:r>
-              <a:rPr kumimoji="0" lang="zh-TW" altLang="en-US" smtClean="0"/>
+              <a:rPr kumimoji="0" lang="zh-TW" altLang="en-US"/>
               <a:t>按一下以編輯母片標題樣式</a:t>
             </a:r>
             <a:endParaRPr kumimoji="0" lang="en-US"/>
@@ -1608,35 +1625,35 @@
           <a:p>
             <a:pPr lvl="0" eaLnBrk="1" latinLnBrk="0" hangingPunct="1"/>
             <a:r>
-              <a:rPr lang="zh-TW" altLang="en-US" smtClean="0"/>
+              <a:rPr lang="zh-TW" altLang="en-US"/>
               <a:t>按一下以編輯母片文字樣式</a:t>
             </a:r>
           </a:p>
           <a:p>
             <a:pPr lvl="1" eaLnBrk="1" latinLnBrk="0" hangingPunct="1"/>
             <a:r>
-              <a:rPr lang="zh-TW" altLang="en-US" smtClean="0"/>
+              <a:rPr lang="zh-TW" altLang="en-US"/>
               <a:t>第二層</a:t>
             </a:r>
           </a:p>
           <a:p>
             <a:pPr lvl="2" eaLnBrk="1" latinLnBrk="0" hangingPunct="1"/>
             <a:r>
-              <a:rPr lang="zh-TW" altLang="en-US" smtClean="0"/>
+              <a:rPr lang="zh-TW" altLang="en-US"/>
               <a:t>第三層</a:t>
             </a:r>
           </a:p>
           <a:p>
             <a:pPr lvl="3" eaLnBrk="1" latinLnBrk="0" hangingPunct="1"/>
             <a:r>
-              <a:rPr lang="zh-TW" altLang="en-US" smtClean="0"/>
+              <a:rPr lang="zh-TW" altLang="en-US"/>
               <a:t>第四層</a:t>
             </a:r>
           </a:p>
           <a:p>
             <a:pPr lvl="4" eaLnBrk="1" latinLnBrk="0" hangingPunct="1"/>
             <a:r>
-              <a:rPr lang="zh-TW" altLang="en-US" smtClean="0"/>
+              <a:rPr lang="zh-TW" altLang="en-US"/>
               <a:t>第五層</a:t>
             </a:r>
             <a:endParaRPr kumimoji="0" lang="en-US"/>
@@ -1681,35 +1698,35 @@
           <a:p>
             <a:pPr lvl="0" eaLnBrk="1" latinLnBrk="0" hangingPunct="1"/>
             <a:r>
-              <a:rPr lang="zh-TW" altLang="en-US" smtClean="0"/>
+              <a:rPr lang="zh-TW" altLang="en-US"/>
               <a:t>按一下以編輯母片文字樣式</a:t>
             </a:r>
           </a:p>
           <a:p>
             <a:pPr lvl="1" eaLnBrk="1" latinLnBrk="0" hangingPunct="1"/>
             <a:r>
-              <a:rPr lang="zh-TW" altLang="en-US" smtClean="0"/>
+              <a:rPr lang="zh-TW" altLang="en-US"/>
               <a:t>第二層</a:t>
             </a:r>
           </a:p>
           <a:p>
             <a:pPr lvl="2" eaLnBrk="1" latinLnBrk="0" hangingPunct="1"/>
             <a:r>
-              <a:rPr lang="zh-TW" altLang="en-US" smtClean="0"/>
+              <a:rPr lang="zh-TW" altLang="en-US"/>
               <a:t>第三層</a:t>
             </a:r>
           </a:p>
           <a:p>
             <a:pPr lvl="3" eaLnBrk="1" latinLnBrk="0" hangingPunct="1"/>
             <a:r>
-              <a:rPr lang="zh-TW" altLang="en-US" smtClean="0"/>
+              <a:rPr lang="zh-TW" altLang="en-US"/>
               <a:t>第四層</a:t>
             </a:r>
           </a:p>
           <a:p>
             <a:pPr lvl="4" eaLnBrk="1" latinLnBrk="0" hangingPunct="1"/>
             <a:r>
-              <a:rPr lang="zh-TW" altLang="en-US" smtClean="0"/>
+              <a:rPr lang="zh-TW" altLang="en-US"/>
               <a:t>第五層</a:t>
             </a:r>
             <a:endParaRPr kumimoji="0" lang="en-US"/>
@@ -1831,7 +1848,7 @@
           </a:lstStyle>
           <a:p>
             <a:r>
-              <a:rPr kumimoji="0" lang="zh-TW" altLang="en-US" smtClean="0"/>
+              <a:rPr kumimoji="0" lang="zh-TW" altLang="en-US"/>
               <a:t>按一下以編輯母片標題樣式</a:t>
             </a:r>
             <a:endParaRPr kumimoji="0" lang="en-US"/>
@@ -1885,7 +1902,7 @@
           <a:p>
             <a:pPr lvl="0" eaLnBrk="1" latinLnBrk="0" hangingPunct="1"/>
             <a:r>
-              <a:rPr kumimoji="0" lang="zh-TW" altLang="en-US" smtClean="0"/>
+              <a:rPr kumimoji="0" lang="zh-TW" altLang="en-US"/>
               <a:t>按一下以編輯母片文字樣式</a:t>
             </a:r>
           </a:p>
@@ -1938,7 +1955,7 @@
           <a:p>
             <a:pPr lvl="0" eaLnBrk="1" latinLnBrk="0" hangingPunct="1"/>
             <a:r>
-              <a:rPr kumimoji="0" lang="zh-TW" altLang="en-US" smtClean="0"/>
+              <a:rPr kumimoji="0" lang="zh-TW" altLang="en-US"/>
               <a:t>按一下以編輯母片文字樣式</a:t>
             </a:r>
           </a:p>
@@ -1982,35 +1999,35 @@
           <a:p>
             <a:pPr lvl="0" eaLnBrk="1" latinLnBrk="0" hangingPunct="1"/>
             <a:r>
-              <a:rPr lang="zh-TW" altLang="en-US" smtClean="0"/>
+              <a:rPr lang="zh-TW" altLang="en-US"/>
               <a:t>按一下以編輯母片文字樣式</a:t>
             </a:r>
           </a:p>
           <a:p>
             <a:pPr lvl="1" eaLnBrk="1" latinLnBrk="0" hangingPunct="1"/>
             <a:r>
-              <a:rPr lang="zh-TW" altLang="en-US" smtClean="0"/>
+              <a:rPr lang="zh-TW" altLang="en-US"/>
               <a:t>第二層</a:t>
             </a:r>
           </a:p>
           <a:p>
             <a:pPr lvl="2" eaLnBrk="1" latinLnBrk="0" hangingPunct="1"/>
             <a:r>
-              <a:rPr lang="zh-TW" altLang="en-US" smtClean="0"/>
+              <a:rPr lang="zh-TW" altLang="en-US"/>
               <a:t>第三層</a:t>
             </a:r>
           </a:p>
           <a:p>
             <a:pPr lvl="3" eaLnBrk="1" latinLnBrk="0" hangingPunct="1"/>
             <a:r>
-              <a:rPr lang="zh-TW" altLang="en-US" smtClean="0"/>
+              <a:rPr lang="zh-TW" altLang="en-US"/>
               <a:t>第四層</a:t>
             </a:r>
           </a:p>
           <a:p>
             <a:pPr lvl="4" eaLnBrk="1" latinLnBrk="0" hangingPunct="1"/>
             <a:r>
-              <a:rPr lang="zh-TW" altLang="en-US" smtClean="0"/>
+              <a:rPr lang="zh-TW" altLang="en-US"/>
               <a:t>第五層</a:t>
             </a:r>
             <a:endParaRPr kumimoji="0" lang="en-US"/>
@@ -2055,35 +2072,35 @@
           <a:p>
             <a:pPr lvl="0" eaLnBrk="1" latinLnBrk="0" hangingPunct="1"/>
             <a:r>
-              <a:rPr lang="zh-TW" altLang="en-US" smtClean="0"/>
+              <a:rPr lang="zh-TW" altLang="en-US"/>
               <a:t>按一下以編輯母片文字樣式</a:t>
             </a:r>
           </a:p>
           <a:p>
             <a:pPr lvl="1" eaLnBrk="1" latinLnBrk="0" hangingPunct="1"/>
             <a:r>
-              <a:rPr lang="zh-TW" altLang="en-US" smtClean="0"/>
+              <a:rPr lang="zh-TW" altLang="en-US"/>
               <a:t>第二層</a:t>
             </a:r>
           </a:p>
           <a:p>
             <a:pPr lvl="2" eaLnBrk="1" latinLnBrk="0" hangingPunct="1"/>
             <a:r>
-              <a:rPr lang="zh-TW" altLang="en-US" smtClean="0"/>
+              <a:rPr lang="zh-TW" altLang="en-US"/>
               <a:t>第三層</a:t>
             </a:r>
           </a:p>
           <a:p>
             <a:pPr lvl="3" eaLnBrk="1" latinLnBrk="0" hangingPunct="1"/>
             <a:r>
-              <a:rPr lang="zh-TW" altLang="en-US" smtClean="0"/>
+              <a:rPr lang="zh-TW" altLang="en-US"/>
               <a:t>第四層</a:t>
             </a:r>
           </a:p>
           <a:p>
             <a:pPr lvl="4" eaLnBrk="1" latinLnBrk="0" hangingPunct="1"/>
             <a:r>
-              <a:rPr lang="zh-TW" altLang="en-US" smtClean="0"/>
+              <a:rPr lang="zh-TW" altLang="en-US"/>
               <a:t>第五層</a:t>
             </a:r>
             <a:endParaRPr kumimoji="0" lang="en-US"/>
@@ -2205,7 +2222,7 @@
           </a:lstStyle>
           <a:p>
             <a:r>
-              <a:rPr kumimoji="0" lang="zh-TW" altLang="en-US" smtClean="0"/>
+              <a:rPr kumimoji="0" lang="zh-TW" altLang="en-US"/>
               <a:t>按一下以編輯母片標題樣式</a:t>
             </a:r>
             <a:endParaRPr kumimoji="0" lang="en-US"/>
@@ -2422,7 +2439,7 @@
           </a:lstStyle>
           <a:p>
             <a:r>
-              <a:rPr kumimoji="0" lang="zh-TW" altLang="en-US" smtClean="0"/>
+              <a:rPr kumimoji="0" lang="zh-TW" altLang="en-US"/>
               <a:t>按一下以編輯母片標題樣式</a:t>
             </a:r>
             <a:endParaRPr kumimoji="0" lang="en-US"/>
@@ -2472,7 +2489,7 @@
           <a:p>
             <a:pPr lvl="0" eaLnBrk="1" latinLnBrk="0" hangingPunct="1"/>
             <a:r>
-              <a:rPr kumimoji="0" lang="zh-TW" altLang="en-US" smtClean="0"/>
+              <a:rPr kumimoji="0" lang="zh-TW" altLang="en-US"/>
               <a:t>按一下以編輯母片文字樣式</a:t>
             </a:r>
           </a:p>
@@ -2516,35 +2533,35 @@
           <a:p>
             <a:pPr lvl="0" eaLnBrk="1" latinLnBrk="0" hangingPunct="1"/>
             <a:r>
-              <a:rPr lang="zh-TW" altLang="en-US" smtClean="0"/>
+              <a:rPr lang="zh-TW" altLang="en-US"/>
               <a:t>按一下以編輯母片文字樣式</a:t>
             </a:r>
           </a:p>
           <a:p>
             <a:pPr lvl="1" eaLnBrk="1" latinLnBrk="0" hangingPunct="1"/>
             <a:r>
-              <a:rPr lang="zh-TW" altLang="en-US" smtClean="0"/>
+              <a:rPr lang="zh-TW" altLang="en-US"/>
               <a:t>第二層</a:t>
             </a:r>
           </a:p>
           <a:p>
             <a:pPr lvl="2" eaLnBrk="1" latinLnBrk="0" hangingPunct="1"/>
             <a:r>
-              <a:rPr lang="zh-TW" altLang="en-US" smtClean="0"/>
+              <a:rPr lang="zh-TW" altLang="en-US"/>
               <a:t>第三層</a:t>
             </a:r>
           </a:p>
           <a:p>
             <a:pPr lvl="3" eaLnBrk="1" latinLnBrk="0" hangingPunct="1"/>
             <a:r>
-              <a:rPr lang="zh-TW" altLang="en-US" smtClean="0"/>
+              <a:rPr lang="zh-TW" altLang="en-US"/>
               <a:t>第四層</a:t>
             </a:r>
           </a:p>
           <a:p>
             <a:pPr lvl="4" eaLnBrk="1" latinLnBrk="0" hangingPunct="1"/>
             <a:r>
-              <a:rPr lang="zh-TW" altLang="en-US" smtClean="0"/>
+              <a:rPr lang="zh-TW" altLang="en-US"/>
               <a:t>第五層</a:t>
             </a:r>
             <a:endParaRPr kumimoji="0" lang="en-US"/>
@@ -2676,7 +2693,7 @@
           </a:lstStyle>
           <a:p>
             <a:r>
-              <a:rPr kumimoji="0" lang="zh-TW" altLang="en-US" smtClean="0"/>
+              <a:rPr kumimoji="0" lang="zh-TW" altLang="en-US"/>
               <a:t>按一下以編輯母片標題樣式</a:t>
             </a:r>
             <a:endParaRPr kumimoji="0" lang="en-US"/>
@@ -2744,7 +2761,7 @@
           </a:lstStyle>
           <a:p>
             <a:r>
-              <a:rPr kumimoji="0" lang="zh-TW" altLang="en-US" smtClean="0"/>
+              <a:rPr kumimoji="0" lang="zh-TW" altLang="en-US"/>
               <a:t>按一下圖示以新增圖片</a:t>
             </a:r>
             <a:endParaRPr kumimoji="0" lang="en-US" dirty="0"/>
@@ -2799,7 +2816,7 @@
           <a:p>
             <a:pPr lvl="0" eaLnBrk="1" latinLnBrk="0" hangingPunct="1"/>
             <a:r>
-              <a:rPr kumimoji="0" lang="zh-TW" altLang="en-US" smtClean="0"/>
+              <a:rPr kumimoji="0" lang="zh-TW" altLang="en-US"/>
               <a:t>按一下以編輯母片文字樣式</a:t>
             </a:r>
           </a:p>
@@ -3127,7 +3144,7 @@
           <a:lstStyle/>
           <a:p>
             <a:r>
-              <a:rPr kumimoji="0" lang="zh-TW" altLang="en-US" smtClean="0"/>
+              <a:rPr kumimoji="0" lang="zh-TW" altLang="en-US"/>
               <a:t>按一下以編輯母片標題樣式</a:t>
             </a:r>
             <a:endParaRPr kumimoji="0" lang="en-US"/>
@@ -3161,35 +3178,35 @@
           <a:p>
             <a:pPr lvl="0" eaLnBrk="1" latinLnBrk="0" hangingPunct="1"/>
             <a:r>
-              <a:rPr kumimoji="0" lang="zh-TW" altLang="en-US" smtClean="0"/>
+              <a:rPr kumimoji="0" lang="zh-TW" altLang="en-US"/>
               <a:t>按一下以編輯母片文字樣式</a:t>
             </a:r>
           </a:p>
           <a:p>
             <a:pPr lvl="1" eaLnBrk="1" latinLnBrk="0" hangingPunct="1"/>
             <a:r>
-              <a:rPr kumimoji="0" lang="zh-TW" altLang="en-US" smtClean="0"/>
+              <a:rPr kumimoji="0" lang="zh-TW" altLang="en-US"/>
               <a:t>第二層</a:t>
             </a:r>
           </a:p>
           <a:p>
             <a:pPr lvl="2" eaLnBrk="1" latinLnBrk="0" hangingPunct="1"/>
             <a:r>
-              <a:rPr kumimoji="0" lang="zh-TW" altLang="en-US" smtClean="0"/>
+              <a:rPr kumimoji="0" lang="zh-TW" altLang="en-US"/>
               <a:t>第三層</a:t>
             </a:r>
           </a:p>
           <a:p>
             <a:pPr lvl="3" eaLnBrk="1" latinLnBrk="0" hangingPunct="1"/>
             <a:r>
-              <a:rPr kumimoji="0" lang="zh-TW" altLang="en-US" smtClean="0"/>
+              <a:rPr kumimoji="0" lang="zh-TW" altLang="en-US"/>
               <a:t>第四層</a:t>
             </a:r>
           </a:p>
           <a:p>
             <a:pPr lvl="4" eaLnBrk="1" latinLnBrk="0" hangingPunct="1"/>
             <a:r>
-              <a:rPr kumimoji="0" lang="zh-TW" altLang="en-US" smtClean="0"/>
+              <a:rPr kumimoji="0" lang="zh-TW" altLang="en-US"/>
               <a:t>第五層</a:t>
             </a:r>
             <a:endParaRPr kumimoji="0" lang="en-US"/>
@@ -3647,18 +3664,13 @@
           <a:lstStyle/>
           <a:p>
             <a:r>
-              <a:rPr lang="en-US" altLang="zh-TW" dirty="0" smtClean="0"/>
-              <a:t>Group12</a:t>
-            </a:r>
-            <a:r>
-              <a:rPr lang="en-US" altLang="zh-TW" dirty="0" smtClean="0"/>
-              <a:t>_</a:t>
-            </a:r>
-            <a:r>
-              <a:rPr lang="zh-TW" altLang="en-US" dirty="0" smtClean="0"/>
+              <a:rPr lang="en-US" altLang="zh-TW" dirty="0"/>
+              <a:t>Group12_</a:t>
+            </a:r>
+            <a:r>
+              <a:rPr lang="zh-TW" altLang="en-US" dirty="0"/>
               <a:t>網頁導航網</a:t>
             </a:r>
-            <a:endParaRPr lang="zh-TW" altLang="en-US" dirty="0"/>
           </a:p>
         </p:txBody>
       </p:sp>
@@ -3691,13 +3703,6 @@
   <p:clrMapOvr>
     <a:masterClrMapping/>
   </p:clrMapOvr>
-  <p:timing>
-    <p:tnLst>
-      <p:par>
-        <p:cTn id="1" dur="indefinite" restart="never" nodeType="tmRoot"/>
-      </p:par>
-    </p:tnLst>
-  </p:timing>
 </p:sld>
 </file>
 
@@ -3795,7 +3800,7 @@
           <a:lstStyle/>
           <a:p>
             <a:r>
-              <a:rPr lang="en-US" altLang="zh-TW" sz="4400" dirty="0" err="1" smtClean="0">
+              <a:rPr lang="en-US" altLang="zh-TW" sz="4400" dirty="0" err="1">
                 <a:solidFill>
                   <a:srgbClr val="FFC000"/>
                 </a:solidFill>
@@ -3889,7 +3894,7 @@
           <a:lstStyle/>
           <a:p>
             <a:r>
-              <a:rPr lang="en-US" altLang="zh-TW" sz="4400" dirty="0" err="1" smtClean="0">
+              <a:rPr lang="en-US" altLang="zh-TW" sz="4400" dirty="0" err="1">
                 <a:solidFill>
                   <a:srgbClr val="FFC000"/>
                 </a:solidFill>
@@ -3945,13 +3950,6 @@
   <p:clrMapOvr>
     <a:masterClrMapping/>
   </p:clrMapOvr>
-  <p:timing>
-    <p:tnLst>
-      <p:par>
-        <p:cTn id="1" dur="indefinite" restart="never" nodeType="tmRoot"/>
-      </p:par>
-    </p:tnLst>
-  </p:timing>
 </p:sld>
 </file>
 
@@ -4040,13 +4038,6 @@
   <p:clrMapOvr>
     <a:masterClrMapping/>
   </p:clrMapOvr>
-  <p:timing>
-    <p:tnLst>
-      <p:par>
-        <p:cTn id="1" dur="indefinite" restart="never" nodeType="tmRoot"/>
-      </p:par>
-    </p:tnLst>
-  </p:timing>
 </p:sld>
 </file>
 
@@ -4085,7 +4076,7 @@
           <a:lstStyle/>
           <a:p>
             <a:r>
-              <a:rPr lang="en-US" altLang="zh-TW" sz="4800" b="1" dirty="0" smtClean="0">
+              <a:rPr lang="en-US" altLang="zh-TW" sz="4800" b="1" dirty="0">
                 <a:solidFill>
                   <a:srgbClr val="FFC000"/>
                 </a:solidFill>
@@ -4123,53 +4114,45 @@
           <a:lstStyle/>
           <a:p>
             <a:r>
-              <a:rPr lang="en-US" altLang="zh-TW" dirty="0" smtClean="0"/>
+              <a:rPr lang="en-US" altLang="zh-TW" dirty="0"/>
               <a:t>model</a:t>
             </a:r>
             <a:r>
-              <a:rPr lang="zh-TW" altLang="en-US" dirty="0" smtClean="0"/>
+              <a:rPr lang="zh-TW" altLang="en-US" dirty="0"/>
               <a:t>跟</a:t>
             </a:r>
             <a:r>
-              <a:rPr lang="en-US" altLang="zh-TW" dirty="0" smtClean="0"/>
+              <a:rPr lang="en-US" altLang="zh-TW" dirty="0"/>
               <a:t>controller</a:t>
             </a:r>
             <a:r>
-              <a:rPr lang="zh-TW" altLang="en-US" dirty="0" smtClean="0"/>
+              <a:rPr lang="zh-TW" altLang="en-US" dirty="0"/>
               <a:t>還有</a:t>
             </a:r>
             <a:r>
-              <a:rPr lang="en-US" altLang="zh-TW" dirty="0" smtClean="0"/>
+              <a:rPr lang="en-US" altLang="zh-TW" dirty="0"/>
               <a:t>routes</a:t>
             </a:r>
             <a:r>
-              <a:rPr lang="zh-TW" altLang="en-US" dirty="0" smtClean="0"/>
+              <a:rPr lang="zh-TW" altLang="en-US" dirty="0"/>
               <a:t>之間的操作很複雜對這三個架構的熟悉度仍要加強。</a:t>
             </a:r>
-            <a:endParaRPr lang="en-US" altLang="zh-TW" dirty="0" smtClean="0"/>
-          </a:p>
-          <a:p>
-            <a:r>
-              <a:rPr lang="zh-TW" altLang="en-US" dirty="0" smtClean="0"/>
-              <a:t>一開始寫得</a:t>
-            </a:r>
+            <a:endParaRPr lang="en-US" altLang="zh-TW" dirty="0"/>
+          </a:p>
+          <a:p>
             <a:r>
               <a:rPr lang="zh-TW" altLang="en-US" dirty="0"/>
-              <a:t>很</a:t>
-            </a:r>
-            <a:r>
-              <a:rPr lang="zh-TW" altLang="en-US" dirty="0" smtClean="0"/>
-              <a:t>順，順利加進自己想加的功能，但後來發現沒有好好取名，全部都混在一起，搞得後面要找東西跟抓</a:t>
-            </a:r>
-            <a:r>
-              <a:rPr lang="en-US" altLang="zh-TW" dirty="0" smtClean="0"/>
+              <a:t>一開始寫得很順，順利加進自己想加的功能，但後來發現沒有好好取名，全部都混在一起，搞得後面要找東西跟抓</a:t>
+            </a:r>
+            <a:r>
+              <a:rPr lang="en-US" altLang="zh-TW" dirty="0"/>
               <a:t>bug</a:t>
             </a:r>
             <a:r>
-              <a:rPr lang="zh-TW" altLang="en-US" dirty="0" smtClean="0"/>
+              <a:rPr lang="zh-TW" altLang="en-US" dirty="0"/>
               <a:t>很麻煩。</a:t>
             </a:r>
-            <a:endParaRPr lang="en-US" altLang="zh-TW" dirty="0" smtClean="0"/>
+            <a:endParaRPr lang="en-US" altLang="zh-TW" dirty="0"/>
           </a:p>
           <a:p>
             <a:r>
@@ -4177,30 +4160,14 @@
               <a:t>聽聞</a:t>
             </a:r>
             <a:r>
-              <a:rPr lang="en-US" altLang="zh-TW" dirty="0" err="1" smtClean="0"/>
+              <a:rPr lang="en-US" altLang="zh-TW" dirty="0" err="1"/>
               <a:t>Github</a:t>
             </a:r>
             <a:r>
-              <a:rPr lang="zh-TW" altLang="en-US" dirty="0" smtClean="0"/>
-              <a:t>已久，但此次是第一次使用它，</a:t>
-            </a:r>
-            <a:r>
               <a:rPr lang="zh-TW" altLang="en-US" dirty="0"/>
-              <a:t>幸虧有會</a:t>
-            </a:r>
-            <a:r>
-              <a:rPr lang="zh-TW" altLang="en-US" dirty="0" smtClean="0"/>
-              <a:t>這方面的組員協助才能</a:t>
-            </a:r>
-            <a:r>
-              <a:rPr lang="zh-TW" altLang="en-US" dirty="0"/>
-              <a:t>相對</a:t>
-            </a:r>
-            <a:r>
-              <a:rPr lang="zh-TW" altLang="en-US" dirty="0" smtClean="0"/>
-              <a:t>輕鬆的上手，了解到多人合作使用它真的方便。</a:t>
-            </a:r>
-            <a:endParaRPr lang="en-US" altLang="zh-TW" dirty="0" smtClean="0"/>
+              <a:t>已久，但此次是第一次使用它，幸虧有會這方面的組員協助才能相對輕鬆的上手，了解到多人合作使用它真的方便。</a:t>
+            </a:r>
+            <a:endParaRPr lang="en-US" altLang="zh-TW" dirty="0"/>
           </a:p>
         </p:txBody>
       </p:sp>
@@ -4236,6 +4203,139 @@
       </p:grpSpPr>
       <p:sp>
         <p:nvSpPr>
+          <p:cNvPr id="2" name="標題 1"/>
+          <p:cNvSpPr>
+            <a:spLocks noGrp="1"/>
+          </p:cNvSpPr>
+          <p:nvPr>
+            <p:ph type="title"/>
+          </p:nvPr>
+        </p:nvSpPr>
+        <p:spPr/>
+        <p:txBody>
+          <a:bodyPr>
+            <a:normAutofit/>
+          </a:bodyPr>
+          <a:lstStyle/>
+          <a:p>
+            <a:r>
+              <a:rPr lang="en-US" altLang="zh-TW" sz="4800" b="1" dirty="0">
+                <a:solidFill>
+                  <a:srgbClr val="FFC000"/>
+                </a:solidFill>
+                <a:latin typeface="+mn-lt"/>
+              </a:rPr>
+              <a:t>Trouble Faced-2</a:t>
+            </a:r>
+            <a:endParaRPr lang="zh-TW" altLang="en-US" sz="4800" b="1" dirty="0">
+              <a:solidFill>
+                <a:srgbClr val="FFC000"/>
+              </a:solidFill>
+              <a:latin typeface="+mn-lt"/>
+            </a:endParaRPr>
+          </a:p>
+        </p:txBody>
+      </p:sp>
+      <p:sp>
+        <p:nvSpPr>
+          <p:cNvPr id="3" name="內容版面配置區 2"/>
+          <p:cNvSpPr>
+            <a:spLocks noGrp="1"/>
+          </p:cNvSpPr>
+          <p:nvPr>
+            <p:ph idx="1"/>
+          </p:nvPr>
+        </p:nvSpPr>
+        <p:spPr>
+          <a:xfrm>
+            <a:off x="457200" y="1600200"/>
+            <a:ext cx="8219256" cy="4525963"/>
+          </a:xfrm>
+        </p:spPr>
+        <p:txBody>
+          <a:bodyPr/>
+          <a:lstStyle/>
+          <a:p>
+            <a:r>
+              <a:rPr lang="zh-TW" altLang="en-US" dirty="0"/>
+              <a:t>伺服器上傳流量控管</a:t>
+            </a:r>
+            <a:r>
+              <a:rPr lang="en-US" altLang="zh-TW" dirty="0"/>
+              <a:t>(</a:t>
+            </a:r>
+            <a:r>
+              <a:rPr lang="zh-TW" altLang="en-US" dirty="0"/>
+              <a:t>圖片，字型</a:t>
+            </a:r>
+            <a:r>
+              <a:rPr lang="en-US" altLang="zh-TW" dirty="0"/>
+              <a:t>…)</a:t>
+            </a:r>
+          </a:p>
+          <a:p>
+            <a:r>
+              <a:rPr lang="en-US" altLang="zh-TW" dirty="0"/>
+              <a:t>CDN</a:t>
+            </a:r>
+            <a:r>
+              <a:rPr lang="zh-TW" altLang="en-US" dirty="0"/>
+              <a:t>，如何防止</a:t>
+            </a:r>
+            <a:r>
+              <a:rPr lang="en-US" altLang="zh-TW" dirty="0"/>
+              <a:t>Web crawler?</a:t>
+            </a:r>
+          </a:p>
+          <a:p>
+            <a:r>
+              <a:rPr lang="zh-TW" altLang="en-US" dirty="0"/>
+              <a:t>玩轉</a:t>
+            </a:r>
+            <a:r>
+              <a:rPr lang="en-US" altLang="zh-TW" dirty="0"/>
+              <a:t>CSS</a:t>
+            </a:r>
+            <a:r>
+              <a:rPr lang="zh-TW" altLang="en-US"/>
+              <a:t>功力待加強</a:t>
+            </a:r>
+            <a:endParaRPr lang="en-US" altLang="zh-TW" dirty="0"/>
+          </a:p>
+        </p:txBody>
+      </p:sp>
+    </p:spTree>
+    <p:extLst>
+      <p:ext uri="{BB962C8B-B14F-4D97-AF65-F5344CB8AC3E}">
+        <p14:creationId xmlns:p14="http://schemas.microsoft.com/office/powerpoint/2010/main" val="2835436484"/>
+      </p:ext>
+    </p:extLst>
+  </p:cSld>
+  <p:clrMapOvr>
+    <a:masterClrMapping/>
+  </p:clrMapOvr>
+</p:sld>
+</file>
+
+<file path=ppt/slides/slide16.xml><?xml version="1.0" encoding="utf-8"?>
+<p:sld xmlns:a="http://schemas.openxmlformats.org/drawingml/2006/main" xmlns:r="http://schemas.openxmlformats.org/officeDocument/2006/relationships" xmlns:p="http://schemas.openxmlformats.org/presentationml/2006/main">
+  <p:cSld>
+    <p:spTree>
+      <p:nvGrpSpPr>
+        <p:cNvPr id="1" name=""/>
+        <p:cNvGrpSpPr/>
+        <p:nvPr/>
+      </p:nvGrpSpPr>
+      <p:grpSpPr>
+        <a:xfrm>
+          <a:off x="0" y="0"/>
+          <a:ext cx="0" cy="0"/>
+          <a:chOff x="0" y="0"/>
+          <a:chExt cx="0" cy="0"/>
+        </a:xfrm>
+      </p:grpSpPr>
+      <p:sp>
+        <p:nvSpPr>
           <p:cNvPr id="6" name="標題 5"/>
           <p:cNvSpPr>
             <a:spLocks noGrp="1"/>
@@ -4258,18 +4358,13 @@
           <a:p>
             <a:pPr algn="ctr"/>
             <a:r>
-              <a:rPr lang="zh-TW" altLang="en-US" sz="9600" b="1" dirty="0" smtClean="0">
+              <a:rPr lang="zh-TW" altLang="en-US" sz="9600" b="1" dirty="0">
                 <a:solidFill>
                   <a:srgbClr val="FFC000"/>
                 </a:solidFill>
               </a:rPr>
               <a:t>謝謝聆聽</a:t>
             </a:r>
-            <a:endParaRPr lang="zh-TW" altLang="en-US" sz="9600" b="1" dirty="0">
-              <a:solidFill>
-                <a:srgbClr val="FFC000"/>
-              </a:solidFill>
-            </a:endParaRPr>
           </a:p>
         </p:txBody>
       </p:sp>
@@ -4321,18 +4416,13 @@
           <a:lstStyle/>
           <a:p>
             <a:r>
-              <a:rPr lang="zh-TW" altLang="en-US" sz="4800" b="1" dirty="0" smtClean="0">
+              <a:rPr lang="zh-TW" altLang="en-US" sz="4800" b="1" dirty="0">
                 <a:solidFill>
                   <a:srgbClr val="FFC000"/>
                 </a:solidFill>
               </a:rPr>
               <a:t>組員及分工</a:t>
             </a:r>
-            <a:endParaRPr lang="zh-TW" altLang="en-US" sz="4800" b="1" dirty="0">
-              <a:solidFill>
-                <a:srgbClr val="FFC000"/>
-              </a:solidFill>
-            </a:endParaRPr>
           </a:p>
         </p:txBody>
       </p:sp>
@@ -4357,21 +4447,21 @@
           <a:lstStyle/>
           <a:p>
             <a:r>
-              <a:rPr lang="zh-TW" altLang="en-US" dirty="0" smtClean="0"/>
+              <a:rPr lang="zh-TW" altLang="en-US" dirty="0"/>
               <a:t>黃子銓：</a:t>
             </a:r>
             <a:r>
-              <a:rPr lang="en-US" altLang="zh-TW" dirty="0" err="1" smtClean="0"/>
+              <a:rPr lang="en-US" altLang="zh-TW" dirty="0" err="1"/>
               <a:t>huanzochen</a:t>
             </a:r>
-            <a:endParaRPr lang="en-US" altLang="zh-TW" dirty="0" smtClean="0"/>
-          </a:p>
-          <a:p>
-            <a:r>
-              <a:rPr lang="zh-TW" altLang="en-US" dirty="0" smtClean="0"/>
+            <a:endParaRPr lang="en-US" altLang="zh-TW" dirty="0"/>
+          </a:p>
+          <a:p>
+            <a:r>
+              <a:rPr lang="zh-TW" altLang="en-US" dirty="0"/>
               <a:t>前後端連結、前端資料的顯示與再設計</a:t>
             </a:r>
-            <a:endParaRPr lang="en-US" altLang="zh-TW" dirty="0" smtClean="0"/>
+            <a:endParaRPr lang="en-US" altLang="zh-TW" dirty="0"/>
           </a:p>
           <a:p>
             <a:endParaRPr lang="en-US" altLang="zh-TW" dirty="0"/>
@@ -4382,61 +4472,61 @@
               <a:t>戴小雅： </a:t>
             </a:r>
             <a:r>
-              <a:rPr lang="en-US" altLang="zh-TW" dirty="0" err="1" smtClean="0"/>
+              <a:rPr lang="en-US" altLang="zh-TW" dirty="0" err="1"/>
               <a:t>Michelletai</a:t>
             </a:r>
-            <a:endParaRPr lang="en-US" altLang="zh-TW" dirty="0" smtClean="0"/>
-          </a:p>
-          <a:p>
-            <a:r>
-              <a:rPr lang="en-US" altLang="zh-TW" dirty="0" smtClean="0"/>
+            <a:endParaRPr lang="en-US" altLang="zh-TW" dirty="0"/>
+          </a:p>
+          <a:p>
+            <a:r>
+              <a:rPr lang="en-US" altLang="zh-TW" dirty="0"/>
               <a:t>PPT</a:t>
             </a:r>
             <a:r>
-              <a:rPr lang="zh-TW" altLang="en-US" dirty="0" smtClean="0"/>
+              <a:rPr lang="zh-TW" altLang="en-US" dirty="0"/>
               <a:t>版面設計</a:t>
             </a:r>
-            <a:endParaRPr lang="en-US" altLang="zh-TW" dirty="0" smtClean="0"/>
-          </a:p>
-          <a:p>
             <a:endParaRPr lang="en-US" altLang="zh-TW" dirty="0"/>
           </a:p>
           <a:p>
-            <a:r>
-              <a:rPr lang="zh-TW" altLang="en-US" dirty="0" smtClean="0"/>
+            <a:endParaRPr lang="en-US" altLang="zh-TW" dirty="0"/>
+          </a:p>
+          <a:p>
+            <a:r>
+              <a:rPr lang="zh-TW" altLang="en-US" dirty="0"/>
               <a:t>羅宇凡：</a:t>
             </a:r>
             <a:r>
-              <a:rPr lang="en-US" altLang="zh-TW" dirty="0" smtClean="0"/>
+              <a:rPr lang="en-US" altLang="zh-TW" dirty="0"/>
               <a:t>HarryLuo227</a:t>
             </a:r>
           </a:p>
           <a:p>
             <a:r>
-              <a:rPr lang="en-US" altLang="zh-TW" dirty="0" smtClean="0"/>
+              <a:rPr lang="en-US" altLang="zh-TW" dirty="0"/>
               <a:t>Template</a:t>
             </a:r>
             <a:r>
-              <a:rPr lang="zh-TW" altLang="en-US" dirty="0" smtClean="0"/>
+              <a:rPr lang="zh-TW" altLang="en-US" dirty="0"/>
               <a:t>找尋、</a:t>
             </a:r>
             <a:r>
-              <a:rPr lang="en-US" altLang="zh-TW" dirty="0" smtClean="0"/>
+              <a:rPr lang="en-US" altLang="zh-TW" dirty="0"/>
               <a:t>PPT</a:t>
             </a:r>
             <a:r>
-              <a:rPr lang="zh-TW" altLang="en-US" dirty="0" smtClean="0"/>
+              <a:rPr lang="zh-TW" altLang="en-US" dirty="0"/>
               <a:t> </a:t>
             </a:r>
             <a:r>
-              <a:rPr lang="en-US" altLang="zh-TW" dirty="0" smtClean="0"/>
+              <a:rPr lang="en-US" altLang="zh-TW" dirty="0"/>
               <a:t>model</a:t>
             </a:r>
             <a:r>
-              <a:rPr lang="zh-TW" altLang="en-US" dirty="0" smtClean="0"/>
+              <a:rPr lang="zh-TW" altLang="en-US" dirty="0"/>
               <a:t>繪製</a:t>
             </a:r>
-            <a:endParaRPr lang="en-US" altLang="zh-TW" dirty="0" smtClean="0"/>
+            <a:endParaRPr lang="en-US" altLang="zh-TW" dirty="0"/>
           </a:p>
           <a:p>
             <a:endParaRPr lang="zh-TW" altLang="en-US" dirty="0"/>
@@ -4453,13 +4543,6 @@
   <p:clrMapOvr>
     <a:masterClrMapping/>
   </p:clrMapOvr>
-  <p:timing>
-    <p:tnLst>
-      <p:par>
-        <p:cTn id="1" dur="indefinite" restart="never" nodeType="tmRoot"/>
-      </p:par>
-    </p:tnLst>
-  </p:timing>
 </p:sld>
 </file>
 
@@ -4539,37 +4622,17 @@
             </a:pPr>
             <a:r>
               <a:rPr lang="zh-TW" altLang="en-US" sz="2400" dirty="0"/>
-              <a:t>假設要架設</a:t>
-            </a:r>
-            <a:r>
-              <a:rPr lang="zh-TW" altLang="en-US" sz="2400" dirty="0" smtClean="0"/>
-              <a:t>一個</a:t>
+              <a:t>假設要架設一個網站導航系統，連結基本常見的家具網站，此外也連結至家具查詢網，讓使用者可使用包含各式各樣的家具陳列及分類。該系統可以記錄使用者喜愛的商品，並提供價格試算</a:t>
+            </a:r>
+            <a:r>
+              <a:rPr lang="en-US" altLang="zh-TW" sz="2400" dirty="0"/>
+              <a:t>......</a:t>
             </a:r>
             <a:r>
               <a:rPr lang="zh-TW" altLang="en-US" sz="2400" dirty="0"/>
-              <a:t>網站導航</a:t>
-            </a:r>
-            <a:r>
-              <a:rPr lang="zh-TW" altLang="en-US" sz="2400" dirty="0" smtClean="0"/>
-              <a:t>系統，連結基本常見的家具網站，此外也連結至家具查詢網，讓使用者可使用包含</a:t>
-            </a:r>
-            <a:r>
-              <a:rPr lang="zh-TW" altLang="en-US" sz="2400" dirty="0"/>
-              <a:t>各式各樣的家具陳列及分類。該系統可以記錄使用者喜愛的商品，並提供價格試</a:t>
-            </a:r>
-            <a:r>
-              <a:rPr lang="zh-TW" altLang="en-US" sz="2400" dirty="0" smtClean="0"/>
-              <a:t>算</a:t>
-            </a:r>
-            <a:r>
-              <a:rPr lang="en-US" altLang="zh-TW" sz="2400" dirty="0" smtClean="0"/>
-              <a:t>......</a:t>
-            </a:r>
-            <a:r>
-              <a:rPr lang="zh-TW" altLang="en-US" sz="2400" dirty="0" smtClean="0"/>
               <a:t>等。</a:t>
             </a:r>
-            <a:endParaRPr lang="en-US" altLang="zh-TW" sz="2400" dirty="0" smtClean="0"/>
+            <a:endParaRPr lang="en-US" altLang="zh-TW" sz="2400" dirty="0"/>
           </a:p>
           <a:p>
             <a:pPr marL="36576" indent="0">
@@ -4579,35 +4642,85 @@
           </a:p>
           <a:p>
             <a:r>
-              <a:rPr lang="zh-TW" altLang="en-US" sz="2200" dirty="0" smtClean="0">
+              <a:rPr lang="zh-TW" altLang="en-US" sz="2200" dirty="0">
                 <a:latin typeface="+mn-ea"/>
               </a:rPr>
               <a:t>網站介紹</a:t>
             </a:r>
             <a:r>
-              <a:rPr lang="en-US" altLang="zh-TW" sz="2200" dirty="0" smtClean="0">
+              <a:rPr lang="en-US" altLang="zh-TW" sz="2200" dirty="0">
                 <a:latin typeface="+mn-ea"/>
               </a:rPr>
               <a:t>(</a:t>
             </a:r>
             <a:r>
-              <a:rPr lang="en-US" altLang="zh-TW" sz="2200" dirty="0" err="1" smtClean="0">
+              <a:rPr lang="en-US" altLang="zh-TW" sz="2200" dirty="0" err="1">
                 <a:latin typeface="+mn-ea"/>
               </a:rPr>
               <a:t>Websitedesc</a:t>
             </a:r>
             <a:r>
-              <a:rPr lang="en-US" altLang="zh-TW" sz="2200" dirty="0" smtClean="0">
+              <a:rPr lang="en-US" altLang="zh-TW" sz="2200" dirty="0">
                 <a:latin typeface="+mn-ea"/>
               </a:rPr>
               <a:t>)</a:t>
             </a:r>
             <a:r>
-              <a:rPr lang="zh-TW" altLang="en-US" sz="2200" dirty="0" smtClean="0">
+              <a:rPr lang="zh-TW" altLang="en-US" sz="2200" dirty="0">
                 <a:latin typeface="+mn-ea"/>
               </a:rPr>
-              <a:t>：</a:t>
-            </a:r>
+              <a:t>：網站名稱</a:t>
+            </a:r>
+            <a:r>
+              <a:rPr lang="en-US" altLang="zh-TW" sz="2200" dirty="0">
+                <a:latin typeface="+mn-ea"/>
+              </a:rPr>
+              <a:t>(name)</a:t>
+            </a:r>
+            <a:r>
+              <a:rPr lang="zh-TW" altLang="en-US" sz="2200" dirty="0">
+                <a:latin typeface="+mn-ea"/>
+              </a:rPr>
+              <a:t>、介紹</a:t>
+            </a:r>
+            <a:r>
+              <a:rPr lang="en-US" altLang="zh-TW" sz="2200" dirty="0">
+                <a:latin typeface="+mn-ea"/>
+              </a:rPr>
+              <a:t>(</a:t>
+            </a:r>
+            <a:r>
+              <a:rPr lang="en-US" altLang="zh-TW" sz="2200" dirty="0" err="1">
+                <a:latin typeface="+mn-ea"/>
+              </a:rPr>
+              <a:t>desc</a:t>
+            </a:r>
+            <a:r>
+              <a:rPr lang="en-US" altLang="zh-TW" sz="2200" dirty="0">
+                <a:latin typeface="+mn-ea"/>
+              </a:rPr>
+              <a:t>)</a:t>
+            </a:r>
+            <a:r>
+              <a:rPr lang="zh-TW" altLang="en-US" sz="2200" dirty="0">
+                <a:latin typeface="+mn-ea"/>
+              </a:rPr>
+              <a:t>，其中網站名稱</a:t>
+            </a:r>
+            <a:r>
+              <a:rPr lang="en-US" altLang="zh-TW" sz="2200" dirty="0" err="1">
+                <a:latin typeface="+mn-ea"/>
+              </a:rPr>
+              <a:t>Primarykey</a:t>
+            </a:r>
+            <a:r>
+              <a:rPr lang="zh-TW" altLang="en-US" sz="2200" dirty="0">
+                <a:latin typeface="+mn-ea"/>
+              </a:rPr>
+              <a:t>。</a:t>
+            </a:r>
+          </a:p>
+          <a:p>
             <a:r>
               <a:rPr lang="zh-TW" altLang="en-US" sz="2200" dirty="0">
                 <a:latin typeface="+mn-ea"/>
@@ -4615,43 +4728,19 @@
               <a:t>網站</a:t>
             </a:r>
             <a:r>
-              <a:rPr lang="zh-TW" altLang="en-US" sz="2200" dirty="0" smtClean="0">
-                <a:latin typeface="+mn-ea"/>
-              </a:rPr>
-              <a:t>名稱</a:t>
-            </a:r>
-            <a:r>
-              <a:rPr lang="en-US" altLang="zh-TW" sz="2200" dirty="0" smtClean="0">
-                <a:latin typeface="+mn-ea"/>
-              </a:rPr>
-              <a:t>(name)</a:t>
-            </a:r>
-            <a:r>
-              <a:rPr lang="zh-TW" altLang="en-US" sz="2200" dirty="0" smtClean="0">
-                <a:latin typeface="+mn-ea"/>
-              </a:rPr>
-              <a:t>、</a:t>
-            </a:r>
-            <a:r>
-              <a:rPr lang="zh-TW" altLang="en-US" sz="2200" dirty="0" smtClean="0">
-                <a:latin typeface="+mn-ea"/>
-              </a:rPr>
-              <a:t>介紹</a:t>
-            </a:r>
-            <a:r>
-              <a:rPr lang="en-US" altLang="zh-TW" sz="2200" dirty="0" smtClean="0">
+              <a:rPr lang="en-US" altLang="zh-TW" sz="2200" dirty="0">
                 <a:latin typeface="+mn-ea"/>
               </a:rPr>
               <a:t>(</a:t>
             </a:r>
             <a:r>
-              <a:rPr lang="en-US" altLang="zh-TW" sz="2200" dirty="0" err="1" smtClean="0">
+              <a:rPr lang="en-US" altLang="zh-TW" sz="2200" dirty="0" err="1">
                 <a:latin typeface="+mn-ea"/>
               </a:rPr>
-              <a:t>desc</a:t>
-            </a:r>
-            <a:r>
-              <a:rPr lang="en-US" altLang="zh-TW" sz="2200" dirty="0" smtClean="0">
+              <a:t>Websiteurl</a:t>
+            </a:r>
+            <a:r>
+              <a:rPr lang="en-US" altLang="zh-TW" sz="2200" dirty="0">
                 <a:latin typeface="+mn-ea"/>
               </a:rPr>
               <a:t>)</a:t>
@@ -4660,75 +4749,10 @@
               <a:rPr lang="zh-TW" altLang="en-US" sz="2200" dirty="0">
                 <a:latin typeface="+mn-ea"/>
               </a:rPr>
-              <a:t>，其中網站</a:t>
-            </a:r>
-            <a:r>
-              <a:rPr lang="zh-TW" altLang="en-US" sz="2200" dirty="0" smtClean="0">
-                <a:latin typeface="+mn-ea"/>
-              </a:rPr>
-              <a:t>名稱</a:t>
-            </a:r>
-            <a:r>
-              <a:rPr lang="en-US" altLang="zh-TW" sz="2200" dirty="0" err="1" smtClean="0">
-                <a:latin typeface="+mn-ea"/>
-              </a:rPr>
-              <a:t>Primarykey</a:t>
-            </a:r>
-            <a:r>
-              <a:rPr lang="zh-TW" altLang="en-US" sz="2200" dirty="0" smtClean="0">
-                <a:latin typeface="+mn-ea"/>
-              </a:rPr>
-              <a:t>。</a:t>
-            </a:r>
-            <a:endParaRPr lang="zh-TW" altLang="en-US" sz="2200" dirty="0">
-              <a:latin typeface="+mn-ea"/>
-            </a:endParaRPr>
-          </a:p>
-          <a:p>
-            <a:r>
-              <a:rPr lang="zh-TW" altLang="en-US" sz="2200" dirty="0" smtClean="0">
-                <a:latin typeface="+mn-ea"/>
-              </a:rPr>
-              <a:t>網站</a:t>
-            </a:r>
-            <a:r>
-              <a:rPr lang="en-US" altLang="zh-TW" sz="2200" dirty="0" smtClean="0">
-                <a:latin typeface="+mn-ea"/>
-              </a:rPr>
-              <a:t>(</a:t>
-            </a:r>
-            <a:r>
-              <a:rPr lang="en-US" altLang="zh-TW" sz="2200" dirty="0" err="1" smtClean="0">
-                <a:latin typeface="+mn-ea"/>
-              </a:rPr>
-              <a:t>Websiteurl</a:t>
-            </a:r>
-            <a:r>
-              <a:rPr lang="en-US" altLang="zh-TW" sz="2200" dirty="0" smtClean="0">
-                <a:latin typeface="+mn-ea"/>
-              </a:rPr>
-              <a:t>)</a:t>
-            </a:r>
-            <a:r>
-              <a:rPr lang="zh-TW" altLang="en-US" sz="2200" dirty="0">
-                <a:latin typeface="+mn-ea"/>
-              </a:rPr>
-              <a:t>：</a:t>
-            </a:r>
-            <a:r>
-              <a:rPr lang="zh-TW" altLang="en-US" sz="2200" dirty="0" smtClean="0">
-                <a:latin typeface="+mn-ea"/>
-              </a:rPr>
-              <a:t>網站</a:t>
-            </a:r>
-            <a:r>
-              <a:rPr lang="zh-TW" altLang="en-US" sz="2200" dirty="0">
-                <a:latin typeface="+mn-ea"/>
-              </a:rPr>
-              <a:t>編號</a:t>
-            </a:r>
-            <a:r>
-              <a:rPr lang="en-US" altLang="zh-TW" sz="2200" dirty="0" smtClean="0">
+              <a:t>：網站編號</a:t>
+            </a:r>
+            <a:r>
+              <a:rPr lang="en-US" altLang="zh-TW" sz="2200" dirty="0">
                 <a:latin typeface="+mn-ea"/>
               </a:rPr>
               <a:t>(id) </a:t>
@@ -4746,76 +4770,58 @@
               <a:t>(name) </a:t>
             </a:r>
             <a:r>
-              <a:rPr lang="zh-TW" altLang="en-US" sz="2200" dirty="0" smtClean="0">
+              <a:rPr lang="zh-TW" altLang="en-US" sz="2200" dirty="0">
                 <a:latin typeface="+mn-ea"/>
               </a:rPr>
               <a:t>、網址</a:t>
             </a:r>
             <a:r>
-              <a:rPr lang="en-US" altLang="zh-TW" sz="2200" dirty="0" smtClean="0">
+              <a:rPr lang="en-US" altLang="zh-TW" sz="2200" dirty="0">
                 <a:latin typeface="+mn-ea"/>
               </a:rPr>
               <a:t>(</a:t>
             </a:r>
             <a:r>
-              <a:rPr lang="en-US" altLang="zh-TW" sz="2200" dirty="0" err="1" smtClean="0">
+              <a:rPr lang="en-US" altLang="zh-TW" sz="2200" dirty="0" err="1">
                 <a:latin typeface="+mn-ea"/>
               </a:rPr>
               <a:t>url</a:t>
             </a:r>
             <a:r>
-              <a:rPr lang="en-US" altLang="zh-TW" sz="2200" dirty="0" smtClean="0">
+              <a:rPr lang="en-US" altLang="zh-TW" sz="2200" dirty="0">
                 <a:latin typeface="+mn-ea"/>
               </a:rPr>
               <a:t>)</a:t>
             </a:r>
             <a:r>
-              <a:rPr lang="zh-TW" altLang="en-US" sz="2200" dirty="0" smtClean="0">
+              <a:rPr lang="zh-TW" altLang="en-US" sz="2200" dirty="0">
                 <a:latin typeface="+mn-ea"/>
               </a:rPr>
               <a:t>、連結建立時間</a:t>
             </a:r>
             <a:r>
-              <a:rPr lang="en-US" altLang="zh-TW" sz="2200" dirty="0" smtClean="0">
+              <a:rPr lang="en-US" altLang="zh-TW" sz="2200" dirty="0">
                 <a:latin typeface="+mn-ea"/>
               </a:rPr>
               <a:t>(</a:t>
             </a:r>
             <a:r>
-              <a:rPr lang="en-US" altLang="zh-TW" sz="2200" dirty="0" err="1" smtClean="0">
+              <a:rPr lang="en-US" altLang="zh-TW" sz="2200" dirty="0" err="1">
                 <a:latin typeface="+mn-ea"/>
               </a:rPr>
               <a:t>createTime</a:t>
             </a:r>
             <a:r>
-              <a:rPr lang="en-US" altLang="zh-TW" sz="2200" dirty="0" smtClean="0">
+              <a:rPr lang="en-US" altLang="zh-TW" sz="2200" dirty="0">
                 <a:latin typeface="+mn-ea"/>
               </a:rPr>
               <a:t>)</a:t>
             </a:r>
             <a:r>
-              <a:rPr lang="zh-TW" altLang="en-US" sz="2200" dirty="0" smtClean="0">
-                <a:latin typeface="+mn-ea"/>
-              </a:rPr>
-              <a:t>，其中網站編號</a:t>
-            </a:r>
-            <a:r>
-              <a:rPr lang="zh-TW" altLang="en-US" sz="2200" dirty="0" smtClean="0">
-                <a:latin typeface="+mn-ea"/>
-              </a:rPr>
-              <a:t>和</a:t>
-            </a:r>
-            <a:r>
               <a:rPr lang="zh-TW" altLang="en-US" sz="2200" dirty="0">
                 <a:latin typeface="+mn-ea"/>
               </a:rPr>
-              <a:t>網站名稱</a:t>
-            </a:r>
-            <a:r>
-              <a:rPr lang="zh-TW" altLang="en-US" sz="2200" dirty="0" smtClean="0">
-                <a:latin typeface="+mn-ea"/>
-              </a:rPr>
-              <a:t>為</a:t>
+              <a:t>，其中網站編號和網站名稱為</a:t>
             </a:r>
             <a:r>
               <a:rPr lang="en-US" altLang="zh-TW" sz="2200" dirty="0" err="1">
@@ -4830,51 +4836,42 @@
               <a:t> </a:t>
             </a:r>
             <a:r>
-              <a:rPr lang="zh-TW" altLang="en-US" sz="2200" dirty="0" smtClean="0">
+              <a:rPr lang="zh-TW" altLang="en-US" sz="2200" dirty="0">
                 <a:latin typeface="+mn-ea"/>
               </a:rPr>
               <a:t>。</a:t>
             </a:r>
-            <a:endParaRPr lang="zh-TW" altLang="en-US" sz="2200" dirty="0">
-              <a:latin typeface="+mn-ea"/>
-            </a:endParaRPr>
-          </a:p>
-          <a:p>
-            <a:r>
-              <a:rPr lang="zh-TW" altLang="en-US" sz="2200" dirty="0" smtClean="0">
+          </a:p>
+          <a:p>
+            <a:r>
+              <a:rPr lang="zh-TW" altLang="en-US" sz="2200" dirty="0">
                 <a:latin typeface="+mn-ea"/>
               </a:rPr>
               <a:t>網站示意圖</a:t>
             </a:r>
             <a:r>
-              <a:rPr lang="en-US" altLang="zh-TW" sz="2200" dirty="0" smtClean="0">
+              <a:rPr lang="en-US" altLang="zh-TW" sz="2200" dirty="0">
                 <a:latin typeface="+mn-ea"/>
               </a:rPr>
               <a:t>(</a:t>
             </a:r>
             <a:r>
-              <a:rPr lang="en-US" altLang="zh-TW" sz="2200" dirty="0" err="1" smtClean="0">
+              <a:rPr lang="en-US" altLang="zh-TW" sz="2200" dirty="0" err="1">
                 <a:latin typeface="+mn-ea"/>
               </a:rPr>
               <a:t>Websitepic</a:t>
             </a:r>
             <a:r>
-              <a:rPr lang="en-US" altLang="zh-TW" sz="2200" dirty="0" smtClean="0">
+              <a:rPr lang="en-US" altLang="zh-TW" sz="2200" dirty="0">
                 <a:latin typeface="+mn-ea"/>
               </a:rPr>
               <a:t>)</a:t>
             </a:r>
             <a:r>
-              <a:rPr lang="zh-TW" altLang="en-US" sz="2200" dirty="0" smtClean="0">
-                <a:latin typeface="+mn-ea"/>
-              </a:rPr>
-              <a:t>：</a:t>
-            </a:r>
-            <a:r>
               <a:rPr lang="zh-TW" altLang="en-US" sz="2200" dirty="0">
                 <a:latin typeface="+mn-ea"/>
               </a:rPr>
-              <a:t>網站名稱</a:t>
+              <a:t>：網站名稱</a:t>
             </a:r>
             <a:r>
               <a:rPr lang="en-US" altLang="zh-TW" sz="2200" dirty="0">
@@ -4883,13 +4880,13 @@
               <a:t>(name)</a:t>
             </a:r>
             <a:r>
-              <a:rPr lang="zh-TW" altLang="en-US" sz="2200" dirty="0" smtClean="0">
+              <a:rPr lang="zh-TW" altLang="en-US" sz="2200" dirty="0">
                 <a:latin typeface="+mn-ea"/>
               </a:rPr>
               <a:t>、圖片</a:t>
             </a:r>
             <a:r>
-              <a:rPr lang="en-US" altLang="zh-TW" sz="2200" dirty="0" smtClean="0">
+              <a:rPr lang="en-US" altLang="zh-TW" sz="2200" dirty="0">
                 <a:latin typeface="+mn-ea"/>
               </a:rPr>
               <a:t>(pic)</a:t>
@@ -4928,13 +4925,6 @@
   <p:clrMapOvr>
     <a:masterClrMapping/>
   </p:clrMapOvr>
-  <p:timing>
-    <p:tnLst>
-      <p:par>
-        <p:cTn id="1" dur="indefinite" restart="never" nodeType="tmRoot"/>
-      </p:par>
-    </p:tnLst>
-  </p:timing>
 </p:sld>
 </file>
 
@@ -4973,7 +4963,7 @@
           <a:lstStyle/>
           <a:p>
             <a:r>
-              <a:rPr lang="en-US" altLang="zh-TW" sz="4800" b="1" dirty="0" smtClean="0">
+              <a:rPr lang="en-US" altLang="zh-TW" sz="4800" b="1" dirty="0">
                 <a:solidFill>
                   <a:srgbClr val="FFC000"/>
                 </a:solidFill>
@@ -4982,7 +4972,7 @@
               <a:t>ER</a:t>
             </a:r>
             <a:r>
-              <a:rPr lang="zh-TW" altLang="en-US" sz="4800" b="1" dirty="0" smtClean="0">
+              <a:rPr lang="zh-TW" altLang="en-US" sz="4800" b="1" dirty="0">
                 <a:solidFill>
                   <a:srgbClr val="FFC000"/>
                 </a:solidFill>
@@ -4991,7 +4981,7 @@
               <a:t> </a:t>
             </a:r>
             <a:r>
-              <a:rPr lang="en-US" altLang="zh-TW" sz="4800" b="1" dirty="0" smtClean="0">
+              <a:rPr lang="en-US" altLang="zh-TW" sz="4800" b="1" dirty="0">
                 <a:solidFill>
                   <a:srgbClr val="FFC000"/>
                 </a:solidFill>
@@ -5047,13 +5037,6 @@
   <p:clrMapOvr>
     <a:masterClrMapping/>
   </p:clrMapOvr>
-  <p:timing>
-    <p:tnLst>
-      <p:par>
-        <p:cTn id="1" dur="indefinite" restart="never" nodeType="tmRoot"/>
-      </p:par>
-    </p:tnLst>
-  </p:timing>
 </p:sld>
 </file>
 
@@ -5092,22 +5075,13 @@
           <a:lstStyle/>
           <a:p>
             <a:r>
-              <a:rPr lang="en-US" altLang="zh-TW" sz="4800" b="1" dirty="0" smtClean="0">
+              <a:rPr lang="en-US" altLang="zh-TW" sz="4800" b="1" dirty="0">
                 <a:solidFill>
                   <a:srgbClr val="FFC000"/>
                 </a:solidFill>
                 <a:latin typeface="+mn-lt"/>
               </a:rPr>
-              <a:t>Relational </a:t>
-            </a:r>
-            <a:r>
-              <a:rPr lang="en-US" altLang="zh-TW" sz="4800" b="1" dirty="0" smtClean="0">
-                <a:solidFill>
-                  <a:srgbClr val="FFC000"/>
-                </a:solidFill>
-                <a:latin typeface="+mn-lt"/>
-              </a:rPr>
-              <a:t>model</a:t>
+              <a:t>Relational model</a:t>
             </a:r>
             <a:endParaRPr lang="zh-TW" altLang="en-US" sz="4800" b="1" dirty="0">
               <a:solidFill>
@@ -5157,13 +5131,6 @@
   <p:clrMapOvr>
     <a:masterClrMapping/>
   </p:clrMapOvr>
-  <p:timing>
-    <p:tnLst>
-      <p:par>
-        <p:cTn id="1" dur="indefinite" restart="never" nodeType="tmRoot"/>
-      </p:par>
-    </p:tnLst>
-  </p:timing>
 </p:sld>
 </file>
 
@@ -5258,13 +5225,6 @@
   <p:clrMapOvr>
     <a:masterClrMapping/>
   </p:clrMapOvr>
-  <p:timing>
-    <p:tnLst>
-      <p:par>
-        <p:cTn id="1" dur="indefinite" restart="never" nodeType="tmRoot"/>
-      </p:par>
-    </p:tnLst>
-  </p:timing>
 </p:sld>
 </file>
 
@@ -5383,13 +5343,6 @@
   <p:clrMapOvr>
     <a:masterClrMapping/>
   </p:clrMapOvr>
-  <p:timing>
-    <p:tnLst>
-      <p:par>
-        <p:cTn id="1" dur="indefinite" restart="never" nodeType="tmRoot"/>
-      </p:par>
-    </p:tnLst>
-  </p:timing>
 </p:sld>
 </file>
 
@@ -5477,13 +5430,6 @@
   <p:clrMapOvr>
     <a:masterClrMapping/>
   </p:clrMapOvr>
-  <p:timing>
-    <p:tnLst>
-      <p:par>
-        <p:cTn id="1" dur="indefinite" restart="never" nodeType="tmRoot"/>
-      </p:par>
-    </p:tnLst>
-  </p:timing>
 </p:sld>
 </file>
 

--- a/doc/client/G12-網頁導航網.pptx
+++ b/doc/client/G12-網頁導航網.pptx
@@ -14,11 +14,11 @@
     <p:sldId id="266" r:id="rId8"/>
     <p:sldId id="267" r:id="rId9"/>
     <p:sldId id="262" r:id="rId10"/>
-    <p:sldId id="268" r:id="rId11"/>
-    <p:sldId id="269" r:id="rId12"/>
-    <p:sldId id="270" r:id="rId13"/>
-    <p:sldId id="271" r:id="rId14"/>
-    <p:sldId id="273" r:id="rId15"/>
+    <p:sldId id="275" r:id="rId11"/>
+    <p:sldId id="268" r:id="rId12"/>
+    <p:sldId id="269" r:id="rId13"/>
+    <p:sldId id="270" r:id="rId14"/>
+    <p:sldId id="271" r:id="rId15"/>
     <p:sldId id="274" r:id="rId16"/>
     <p:sldId id="272" r:id="rId17"/>
   </p:sldIdLst>
@@ -3703,10 +3703,135 @@
   <p:clrMapOvr>
     <a:masterClrMapping/>
   </p:clrMapOvr>
+  <p:timing>
+    <p:tnLst>
+      <p:par>
+        <p:cTn id="1" dur="indefinite" restart="never" nodeType="tmRoot"/>
+      </p:par>
+    </p:tnLst>
+  </p:timing>
 </p:sld>
 </file>
 
 <file path=ppt/slides/slide10.xml><?xml version="1.0" encoding="utf-8"?>
+<p:sld xmlns:a="http://schemas.openxmlformats.org/drawingml/2006/main" xmlns:r="http://schemas.openxmlformats.org/officeDocument/2006/relationships" xmlns:p="http://schemas.openxmlformats.org/presentationml/2006/main">
+  <p:cSld>
+    <p:spTree>
+      <p:nvGrpSpPr>
+        <p:cNvPr id="1" name=""/>
+        <p:cNvGrpSpPr/>
+        <p:nvPr/>
+      </p:nvGrpSpPr>
+      <p:grpSpPr>
+        <a:xfrm>
+          <a:off x="0" y="0"/>
+          <a:ext cx="0" cy="0"/>
+          <a:chOff x="0" y="0"/>
+          <a:chExt cx="0" cy="0"/>
+        </a:xfrm>
+      </p:grpSpPr>
+      <p:sp>
+        <p:nvSpPr>
+          <p:cNvPr id="2" name="標題 1"/>
+          <p:cNvSpPr>
+            <a:spLocks noGrp="1"/>
+          </p:cNvSpPr>
+          <p:nvPr>
+            <p:ph type="title"/>
+          </p:nvPr>
+        </p:nvSpPr>
+        <p:spPr/>
+        <p:txBody>
+          <a:bodyPr>
+            <a:normAutofit/>
+          </a:bodyPr>
+          <a:lstStyle/>
+          <a:p>
+            <a:r>
+              <a:rPr lang="zh-TW" altLang="en-US" sz="4800" b="1" dirty="0">
+                <a:solidFill>
+                  <a:srgbClr val="FFC000"/>
+                </a:solidFill>
+              </a:rPr>
+              <a:t>原</a:t>
+            </a:r>
+            <a:r>
+              <a:rPr lang="zh-TW" altLang="en-US" sz="4800" b="1" dirty="0" smtClean="0">
+                <a:solidFill>
+                  <a:srgbClr val="FFC000"/>
+                </a:solidFill>
+              </a:rPr>
+              <a:t>網站</a:t>
+            </a:r>
+            <a:r>
+              <a:rPr lang="zh-TW" altLang="en-US" sz="4800" b="1" dirty="0" smtClean="0">
+                <a:solidFill>
+                  <a:srgbClr val="FFC000"/>
+                </a:solidFill>
+              </a:rPr>
+              <a:t>頁</a:t>
+            </a:r>
+            <a:r>
+              <a:rPr lang="zh-TW" altLang="en-US" sz="4800" b="1" dirty="0">
+                <a:solidFill>
+                  <a:srgbClr val="FFC000"/>
+                </a:solidFill>
+              </a:rPr>
+              <a:t>面</a:t>
+            </a:r>
+          </a:p>
+        </p:txBody>
+      </p:sp>
+      <p:pic>
+        <p:nvPicPr>
+          <p:cNvPr id="4" name="內容版面配置區 3"/>
+          <p:cNvPicPr>
+            <a:picLocks noGrp="1" noChangeAspect="1"/>
+          </p:cNvPicPr>
+          <p:nvPr>
+            <p:ph idx="1"/>
+          </p:nvPr>
+        </p:nvPicPr>
+        <p:blipFill>
+          <a:blip r:embed="rId2">
+            <a:extLst>
+              <a:ext uri="{28A0092B-C50C-407E-A947-70E740481C1C}">
+                <a14:useLocalDpi xmlns:a14="http://schemas.microsoft.com/office/drawing/2010/main" val="0"/>
+              </a:ext>
+            </a:extLst>
+          </a:blip>
+          <a:stretch>
+            <a:fillRect/>
+          </a:stretch>
+        </p:blipFill>
+        <p:spPr>
+          <a:xfrm>
+            <a:off x="179512" y="1700808"/>
+            <a:ext cx="8743373" cy="4032448"/>
+          </a:xfrm>
+        </p:spPr>
+      </p:pic>
+    </p:spTree>
+    <p:extLst>
+      <p:ext uri="{BB962C8B-B14F-4D97-AF65-F5344CB8AC3E}">
+        <p14:creationId xmlns:p14="http://schemas.microsoft.com/office/powerpoint/2010/main" val="1338227579"/>
+      </p:ext>
+    </p:extLst>
+  </p:cSld>
+  <p:clrMapOvr>
+    <a:masterClrMapping/>
+  </p:clrMapOvr>
+  <p:timing>
+    <p:tnLst>
+      <p:par>
+        <p:cTn id="1" dur="indefinite" restart="never" nodeType="tmRoot"/>
+      </p:par>
+    </p:tnLst>
+  </p:timing>
+</p:sld>
+</file>
+
+<file path=ppt/slides/slide11.xml><?xml version="1.0" encoding="utf-8"?>
 <p:sld xmlns:a="http://schemas.openxmlformats.org/drawingml/2006/main" xmlns:r="http://schemas.openxmlformats.org/officeDocument/2006/relationships" xmlns:p="http://schemas.openxmlformats.org/presentationml/2006/main">
   <p:cSld>
     <p:spTree>
@@ -3765,7 +3890,7 @@
 </p:sld>
 </file>
 
-<file path=ppt/slides/slide11.xml><?xml version="1.0" encoding="utf-8"?>
+<file path=ppt/slides/slide12.xml><?xml version="1.0" encoding="utf-8"?>
 <p:sld xmlns:a="http://schemas.openxmlformats.org/drawingml/2006/main" xmlns:r="http://schemas.openxmlformats.org/officeDocument/2006/relationships" xmlns:p="http://schemas.openxmlformats.org/presentationml/2006/main">
   <p:cSld>
     <p:spTree>
@@ -3859,7 +3984,7 @@
 </p:sld>
 </file>
 
-<file path=ppt/slides/slide12.xml><?xml version="1.0" encoding="utf-8"?>
+<file path=ppt/slides/slide13.xml><?xml version="1.0" encoding="utf-8"?>
 <p:sld xmlns:a="http://schemas.openxmlformats.org/drawingml/2006/main" xmlns:r="http://schemas.openxmlformats.org/officeDocument/2006/relationships" xmlns:p="http://schemas.openxmlformats.org/presentationml/2006/main">
   <p:cSld>
     <p:spTree>
@@ -3953,7 +4078,7 @@
 </p:sld>
 </file>
 
-<file path=ppt/slides/slide13.xml><?xml version="1.0" encoding="utf-8"?>
+<file path=ppt/slides/slide14.xml><?xml version="1.0" encoding="utf-8"?>
 <p:sld xmlns:a="http://schemas.openxmlformats.org/drawingml/2006/main" xmlns:r="http://schemas.openxmlformats.org/officeDocument/2006/relationships" xmlns:p="http://schemas.openxmlformats.org/presentationml/2006/main">
   <p:cSld>
     <p:spTree>
@@ -4041,149 +4166,6 @@
 </p:sld>
 </file>
 
-<file path=ppt/slides/slide14.xml><?xml version="1.0" encoding="utf-8"?>
-<p:sld xmlns:a="http://schemas.openxmlformats.org/drawingml/2006/main" xmlns:r="http://schemas.openxmlformats.org/officeDocument/2006/relationships" xmlns:p="http://schemas.openxmlformats.org/presentationml/2006/main">
-  <p:cSld>
-    <p:spTree>
-      <p:nvGrpSpPr>
-        <p:cNvPr id="1" name=""/>
-        <p:cNvGrpSpPr/>
-        <p:nvPr/>
-      </p:nvGrpSpPr>
-      <p:grpSpPr>
-        <a:xfrm>
-          <a:off x="0" y="0"/>
-          <a:ext cx="0" cy="0"/>
-          <a:chOff x="0" y="0"/>
-          <a:chExt cx="0" cy="0"/>
-        </a:xfrm>
-      </p:grpSpPr>
-      <p:sp>
-        <p:nvSpPr>
-          <p:cNvPr id="2" name="標題 1"/>
-          <p:cNvSpPr>
-            <a:spLocks noGrp="1"/>
-          </p:cNvSpPr>
-          <p:nvPr>
-            <p:ph type="title"/>
-          </p:nvPr>
-        </p:nvSpPr>
-        <p:spPr/>
-        <p:txBody>
-          <a:bodyPr>
-            <a:normAutofit/>
-          </a:bodyPr>
-          <a:lstStyle/>
-          <a:p>
-            <a:r>
-              <a:rPr lang="en-US" altLang="zh-TW" sz="4800" b="1" dirty="0">
-                <a:solidFill>
-                  <a:srgbClr val="FFC000"/>
-                </a:solidFill>
-                <a:latin typeface="+mn-lt"/>
-              </a:rPr>
-              <a:t>Trouble Faced</a:t>
-            </a:r>
-            <a:endParaRPr lang="zh-TW" altLang="en-US" sz="4800" b="1" dirty="0">
-              <a:solidFill>
-                <a:srgbClr val="FFC000"/>
-              </a:solidFill>
-              <a:latin typeface="+mn-lt"/>
-            </a:endParaRPr>
-          </a:p>
-        </p:txBody>
-      </p:sp>
-      <p:sp>
-        <p:nvSpPr>
-          <p:cNvPr id="3" name="內容版面配置區 2"/>
-          <p:cNvSpPr>
-            <a:spLocks noGrp="1"/>
-          </p:cNvSpPr>
-          <p:nvPr>
-            <p:ph idx="1"/>
-          </p:nvPr>
-        </p:nvSpPr>
-        <p:spPr>
-          <a:xfrm>
-            <a:off x="457200" y="1600200"/>
-            <a:ext cx="8219256" cy="4525963"/>
-          </a:xfrm>
-        </p:spPr>
-        <p:txBody>
-          <a:bodyPr/>
-          <a:lstStyle/>
-          <a:p>
-            <a:r>
-              <a:rPr lang="en-US" altLang="zh-TW" dirty="0"/>
-              <a:t>model</a:t>
-            </a:r>
-            <a:r>
-              <a:rPr lang="zh-TW" altLang="en-US" dirty="0"/>
-              <a:t>跟</a:t>
-            </a:r>
-            <a:r>
-              <a:rPr lang="en-US" altLang="zh-TW" dirty="0"/>
-              <a:t>controller</a:t>
-            </a:r>
-            <a:r>
-              <a:rPr lang="zh-TW" altLang="en-US" dirty="0"/>
-              <a:t>還有</a:t>
-            </a:r>
-            <a:r>
-              <a:rPr lang="en-US" altLang="zh-TW" dirty="0"/>
-              <a:t>routes</a:t>
-            </a:r>
-            <a:r>
-              <a:rPr lang="zh-TW" altLang="en-US" dirty="0"/>
-              <a:t>之間的操作很複雜對這三個架構的熟悉度仍要加強。</a:t>
-            </a:r>
-            <a:endParaRPr lang="en-US" altLang="zh-TW" dirty="0"/>
-          </a:p>
-          <a:p>
-            <a:r>
-              <a:rPr lang="zh-TW" altLang="en-US" dirty="0"/>
-              <a:t>一開始寫得很順，順利加進自己想加的功能，但後來發現沒有好好取名，全部都混在一起，搞得後面要找東西跟抓</a:t>
-            </a:r>
-            <a:r>
-              <a:rPr lang="en-US" altLang="zh-TW" dirty="0"/>
-              <a:t>bug</a:t>
-            </a:r>
-            <a:r>
-              <a:rPr lang="zh-TW" altLang="en-US" dirty="0"/>
-              <a:t>很麻煩。</a:t>
-            </a:r>
-            <a:endParaRPr lang="en-US" altLang="zh-TW" dirty="0"/>
-          </a:p>
-          <a:p>
-            <a:r>
-              <a:rPr lang="zh-TW" altLang="en-US" dirty="0"/>
-              <a:t>聽聞</a:t>
-            </a:r>
-            <a:r>
-              <a:rPr lang="en-US" altLang="zh-TW" dirty="0" err="1"/>
-              <a:t>Github</a:t>
-            </a:r>
-            <a:r>
-              <a:rPr lang="zh-TW" altLang="en-US" dirty="0"/>
-              <a:t>已久，但此次是第一次使用它，幸虧有會這方面的組員協助才能相對輕鬆的上手，了解到多人合作使用它真的方便。</a:t>
-            </a:r>
-            <a:endParaRPr lang="en-US" altLang="zh-TW" dirty="0"/>
-          </a:p>
-        </p:txBody>
-      </p:sp>
-    </p:spTree>
-    <p:extLst>
-      <p:ext uri="{BB962C8B-B14F-4D97-AF65-F5344CB8AC3E}">
-        <p14:creationId xmlns:p14="http://schemas.microsoft.com/office/powerpoint/2010/main" val="1089104833"/>
-      </p:ext>
-    </p:extLst>
-  </p:cSld>
-  <p:clrMapOvr>
-    <a:masterClrMapping/>
-  </p:clrMapOvr>
-</p:sld>
-</file>
-
 <file path=ppt/slides/slide15.xml><?xml version="1.0" encoding="utf-8"?>
 <p:sld xmlns:a="http://schemas.openxmlformats.org/drawingml/2006/main" xmlns:r="http://schemas.openxmlformats.org/officeDocument/2006/relationships" xmlns:p="http://schemas.openxmlformats.org/presentationml/2006/main">
   <p:cSld>
@@ -4225,7 +4207,16 @@
                 </a:solidFill>
                 <a:latin typeface="+mn-lt"/>
               </a:rPr>
-              <a:t>Trouble Faced-2</a:t>
+              <a:t>Trouble </a:t>
+            </a:r>
+            <a:r>
+              <a:rPr lang="en-US" altLang="zh-TW" sz="4800" b="1" dirty="0" smtClean="0">
+                <a:solidFill>
+                  <a:srgbClr val="FFC000"/>
+                </a:solidFill>
+                <a:latin typeface="+mn-lt"/>
+              </a:rPr>
+              <a:t>Faced</a:t>
             </a:r>
             <a:endParaRPr lang="zh-TW" altLang="en-US" sz="4800" b="1" dirty="0">
               <a:solidFill>
@@ -4543,6 +4534,13 @@
   <p:clrMapOvr>
     <a:masterClrMapping/>
   </p:clrMapOvr>
+  <p:timing>
+    <p:tnLst>
+      <p:par>
+        <p:cTn id="1" dur="indefinite" restart="never" nodeType="tmRoot"/>
+      </p:par>
+    </p:tnLst>
+  </p:timing>
 </p:sld>
 </file>
 
@@ -4925,6 +4923,13 @@
   <p:clrMapOvr>
     <a:masterClrMapping/>
   </p:clrMapOvr>
+  <p:timing>
+    <p:tnLst>
+      <p:par>
+        <p:cTn id="1" dur="indefinite" restart="never" nodeType="tmRoot"/>
+      </p:par>
+    </p:tnLst>
+  </p:timing>
 </p:sld>
 </file>
 
@@ -5037,6 +5042,13 @@
   <p:clrMapOvr>
     <a:masterClrMapping/>
   </p:clrMapOvr>
+  <p:timing>
+    <p:tnLst>
+      <p:par>
+        <p:cTn id="1" dur="indefinite" restart="never" nodeType="tmRoot"/>
+      </p:par>
+    </p:tnLst>
+  </p:timing>
 </p:sld>
 </file>
 
@@ -5131,6 +5143,13 @@
   <p:clrMapOvr>
     <a:masterClrMapping/>
   </p:clrMapOvr>
+  <p:timing>
+    <p:tnLst>
+      <p:par>
+        <p:cTn id="1" dur="indefinite" restart="never" nodeType="tmRoot"/>
+      </p:par>
+    </p:tnLst>
+  </p:timing>
 </p:sld>
 </file>
 
@@ -5225,6 +5244,13 @@
   <p:clrMapOvr>
     <a:masterClrMapping/>
   </p:clrMapOvr>
+  <p:timing>
+    <p:tnLst>
+      <p:par>
+        <p:cTn id="1" dur="indefinite" restart="never" nodeType="tmRoot"/>
+      </p:par>
+    </p:tnLst>
+  </p:timing>
 </p:sld>
 </file>
 
@@ -5284,6 +5310,13 @@
   <p:clrMapOvr>
     <a:masterClrMapping/>
   </p:clrMapOvr>
+  <p:timing>
+    <p:tnLst>
+      <p:par>
+        <p:cTn id="1" dur="indefinite" restart="never" nodeType="tmRoot"/>
+      </p:par>
+    </p:tnLst>
+  </p:timing>
 </p:sld>
 </file>
 
@@ -5343,6 +5376,13 @@
   <p:clrMapOvr>
     <a:masterClrMapping/>
   </p:clrMapOvr>
+  <p:timing>
+    <p:tnLst>
+      <p:par>
+        <p:cTn id="1" dur="indefinite" restart="never" nodeType="tmRoot"/>
+      </p:par>
+    </p:tnLst>
+  </p:timing>
 </p:sld>
 </file>
 
@@ -5381,19 +5421,24 @@
           <a:lstStyle/>
           <a:p>
             <a:r>
-              <a:rPr lang="zh-TW" altLang="en-US" sz="4800" b="1" dirty="0">
+              <a:rPr lang="zh-TW" altLang="en-US" sz="4800" b="1" dirty="0" smtClean="0">
                 <a:solidFill>
                   <a:srgbClr val="FFC000"/>
                 </a:solidFill>
               </a:rPr>
-              <a:t>前端頁面</a:t>
-            </a:r>
+              <a:t>首頁</a:t>
+            </a:r>
+            <a:endParaRPr lang="zh-TW" altLang="en-US" sz="4800" b="1" dirty="0">
+              <a:solidFill>
+                <a:srgbClr val="FFC000"/>
+              </a:solidFill>
+            </a:endParaRPr>
           </a:p>
         </p:txBody>
       </p:sp>
       <p:pic>
         <p:nvPicPr>
-          <p:cNvPr id="4" name="內容版面配置區 3"/>
+          <p:cNvPr id="5" name="內容版面配置區 4"/>
           <p:cNvPicPr>
             <a:picLocks noGrp="1" noChangeAspect="1"/>
           </p:cNvPicPr>
@@ -5402,7 +5447,7 @@
           </p:nvPr>
         </p:nvPicPr>
         <p:blipFill>
-          <a:blip r:embed="rId2">
+          <a:blip r:embed="rId2" cstate="print">
             <a:extLst>
               <a:ext uri="{28A0092B-C50C-407E-A947-70E740481C1C}">
                 <a14:useLocalDpi xmlns:a14="http://schemas.microsoft.com/office/drawing/2010/main" val="0"/>
@@ -5415,8 +5460,8 @@
         </p:blipFill>
         <p:spPr>
           <a:xfrm>
-            <a:off x="179512" y="1700808"/>
-            <a:ext cx="8743373" cy="4032448"/>
+            <a:off x="179512" y="1556792"/>
+            <a:ext cx="8854205" cy="4320480"/>
           </a:xfrm>
         </p:spPr>
       </p:pic>
@@ -5430,6 +5475,13 @@
   <p:clrMapOvr>
     <a:masterClrMapping/>
   </p:clrMapOvr>
+  <p:timing>
+    <p:tnLst>
+      <p:par>
+        <p:cTn id="1" dur="indefinite" restart="never" nodeType="tmRoot"/>
+      </p:par>
+    </p:tnLst>
+  </p:timing>
 </p:sld>
 </file>
 
